--- a/Figures/parentchild.pptx
+++ b/Figures/parentchild.pptx
@@ -197,7 +197,7 @@
           <a:p>
             <a:fld id="{50FE4253-C30A-4C50-A9BE-AC05526FCE33}" type="datetimeFigureOut">
               <a:rPr lang="en-DK" smtClean="0"/>
-              <a:t>19/04/2021</a:t>
+              <a:t>22/05/2021</a:t>
             </a:fld>
             <a:endParaRPr lang="en-DK"/>
           </a:p>
@@ -614,7 +614,7 @@
           <a:p>
             <a:fld id="{569F7B4A-891B-4716-9489-0775A6589C42}" type="datetimeFigureOut">
               <a:rPr lang="en-DK" smtClean="0"/>
-              <a:t>19/04/2021</a:t>
+              <a:t>22/05/2021</a:t>
             </a:fld>
             <a:endParaRPr lang="en-DK"/>
           </a:p>
@@ -814,7 +814,7 @@
           <a:p>
             <a:fld id="{569F7B4A-891B-4716-9489-0775A6589C42}" type="datetimeFigureOut">
               <a:rPr lang="en-DK" smtClean="0"/>
-              <a:t>19/04/2021</a:t>
+              <a:t>22/05/2021</a:t>
             </a:fld>
             <a:endParaRPr lang="en-DK"/>
           </a:p>
@@ -1024,7 +1024,7 @@
           <a:p>
             <a:fld id="{569F7B4A-891B-4716-9489-0775A6589C42}" type="datetimeFigureOut">
               <a:rPr lang="en-DK" smtClean="0"/>
-              <a:t>19/04/2021</a:t>
+              <a:t>22/05/2021</a:t>
             </a:fld>
             <a:endParaRPr lang="en-DK"/>
           </a:p>
@@ -1224,7 +1224,7 @@
           <a:p>
             <a:fld id="{569F7B4A-891B-4716-9489-0775A6589C42}" type="datetimeFigureOut">
               <a:rPr lang="en-DK" smtClean="0"/>
-              <a:t>19/04/2021</a:t>
+              <a:t>22/05/2021</a:t>
             </a:fld>
             <a:endParaRPr lang="en-DK"/>
           </a:p>
@@ -1500,7 +1500,7 @@
           <a:p>
             <a:fld id="{569F7B4A-891B-4716-9489-0775A6589C42}" type="datetimeFigureOut">
               <a:rPr lang="en-DK" smtClean="0"/>
-              <a:t>19/04/2021</a:t>
+              <a:t>22/05/2021</a:t>
             </a:fld>
             <a:endParaRPr lang="en-DK"/>
           </a:p>
@@ -1768,7 +1768,7 @@
           <a:p>
             <a:fld id="{569F7B4A-891B-4716-9489-0775A6589C42}" type="datetimeFigureOut">
               <a:rPr lang="en-DK" smtClean="0"/>
-              <a:t>19/04/2021</a:t>
+              <a:t>22/05/2021</a:t>
             </a:fld>
             <a:endParaRPr lang="en-DK"/>
           </a:p>
@@ -2183,7 +2183,7 @@
           <a:p>
             <a:fld id="{569F7B4A-891B-4716-9489-0775A6589C42}" type="datetimeFigureOut">
               <a:rPr lang="en-DK" smtClean="0"/>
-              <a:t>19/04/2021</a:t>
+              <a:t>22/05/2021</a:t>
             </a:fld>
             <a:endParaRPr lang="en-DK"/>
           </a:p>
@@ -2325,7 +2325,7 @@
           <a:p>
             <a:fld id="{569F7B4A-891B-4716-9489-0775A6589C42}" type="datetimeFigureOut">
               <a:rPr lang="en-DK" smtClean="0"/>
-              <a:t>19/04/2021</a:t>
+              <a:t>22/05/2021</a:t>
             </a:fld>
             <a:endParaRPr lang="en-DK"/>
           </a:p>
@@ -2438,7 +2438,7 @@
           <a:p>
             <a:fld id="{569F7B4A-891B-4716-9489-0775A6589C42}" type="datetimeFigureOut">
               <a:rPr lang="en-DK" smtClean="0"/>
-              <a:t>19/04/2021</a:t>
+              <a:t>22/05/2021</a:t>
             </a:fld>
             <a:endParaRPr lang="en-DK"/>
           </a:p>
@@ -2751,7 +2751,7 @@
           <a:p>
             <a:fld id="{569F7B4A-891B-4716-9489-0775A6589C42}" type="datetimeFigureOut">
               <a:rPr lang="en-DK" smtClean="0"/>
-              <a:t>19/04/2021</a:t>
+              <a:t>22/05/2021</a:t>
             </a:fld>
             <a:endParaRPr lang="en-DK"/>
           </a:p>
@@ -3040,7 +3040,7 @@
           <a:p>
             <a:fld id="{569F7B4A-891B-4716-9489-0775A6589C42}" type="datetimeFigureOut">
               <a:rPr lang="en-DK" smtClean="0"/>
-              <a:t>19/04/2021</a:t>
+              <a:t>22/05/2021</a:t>
             </a:fld>
             <a:endParaRPr lang="en-DK"/>
           </a:p>
@@ -3283,7 +3283,7 @@
           <a:p>
             <a:fld id="{569F7B4A-891B-4716-9489-0775A6589C42}" type="datetimeFigureOut">
               <a:rPr lang="en-DK" smtClean="0"/>
-              <a:t>19/04/2021</a:t>
+              <a:t>22/05/2021</a:t>
             </a:fld>
             <a:endParaRPr lang="en-DK"/>
           </a:p>
@@ -4000,8 +4000,8 @@
         </p:nvSpPr>
         <p:spPr>
           <a:xfrm>
-            <a:off x="2724605" y="855005"/>
-            <a:ext cx="1197768" cy="369332"/>
+            <a:off x="2906996" y="758386"/>
+            <a:ext cx="1404781" cy="369332"/>
           </a:xfrm>
           <a:prstGeom prst="rect">
             <a:avLst/>
@@ -4015,8 +4015,12 @@
           <a:lstStyle/>
           <a:p>
             <a:r>
+              <a:rPr lang="da-DK" dirty="0"/>
+              <a:t>I</a:t>
+            </a:r>
+            <a:r>
               <a:rPr lang="en-DK" dirty="0"/>
-              <a:t>instanceOf</a:t>
+              <a:t>nstance of</a:t>
             </a:r>
           </a:p>
         </p:txBody>
@@ -4035,8 +4039,8 @@
         </p:nvSpPr>
         <p:spPr>
           <a:xfrm>
-            <a:off x="5157777" y="856391"/>
-            <a:ext cx="1197768" cy="369332"/>
+            <a:off x="5141558" y="837903"/>
+            <a:ext cx="1333503" cy="369332"/>
           </a:xfrm>
           <a:prstGeom prst="rect">
             <a:avLst/>
@@ -4050,8 +4054,12 @@
           <a:lstStyle/>
           <a:p>
             <a:r>
+              <a:rPr lang="da-DK" dirty="0"/>
+              <a:t>I</a:t>
+            </a:r>
+            <a:r>
               <a:rPr lang="en-DK" dirty="0"/>
-              <a:t>instanceOf</a:t>
+              <a:t>nstance of</a:t>
             </a:r>
           </a:p>
         </p:txBody>
@@ -4071,7 +4079,7 @@
         <p:spPr>
           <a:xfrm>
             <a:off x="7731323" y="840304"/>
-            <a:ext cx="1197768" cy="369332"/>
+            <a:ext cx="1346002" cy="369332"/>
           </a:xfrm>
           <a:prstGeom prst="rect">
             <a:avLst/>
@@ -4085,8 +4093,12 @@
           <a:lstStyle/>
           <a:p>
             <a:r>
+              <a:rPr lang="da-DK" dirty="0"/>
+              <a:t>I</a:t>
+            </a:r>
+            <a:r>
               <a:rPr lang="en-DK" dirty="0"/>
-              <a:t>instanceOf</a:t>
+              <a:t>nstance of</a:t>
             </a:r>
           </a:p>
         </p:txBody>
@@ -4337,7 +4349,7 @@
         </p:nvSpPr>
         <p:spPr>
           <a:xfrm>
-            <a:off x="6609161" y="2641588"/>
+            <a:off x="6609161" y="2612537"/>
             <a:ext cx="1890712" cy="369332"/>
           </a:xfrm>
           <a:prstGeom prst="rect">
@@ -4352,8 +4364,12 @@
           <a:lstStyle/>
           <a:p>
             <a:r>
+              <a:rPr lang="da-DK" dirty="0"/>
+              <a:t>L</a:t>
+            </a:r>
+            <a:r>
               <a:rPr lang="en-DK" dirty="0"/>
-              <a:t>locatedIn</a:t>
+              <a:t>ocated in</a:t>
             </a:r>
           </a:p>
         </p:txBody>
@@ -4566,7 +4582,7 @@
           <a:p>
             <a:r>
               <a:rPr lang="en-DK" dirty="0"/>
-              <a:t>owner of</a:t>
+              <a:t>Owner of</a:t>
             </a:r>
           </a:p>
         </p:txBody>
@@ -4649,8 +4665,12 @@
           <a:lstStyle/>
           <a:p>
             <a:r>
+              <a:rPr lang="da-DK" dirty="0"/>
+              <a:t>L</a:t>
+            </a:r>
+            <a:r>
               <a:rPr lang="en-DK" dirty="0"/>
-              <a:t>locatedIn</a:t>
+              <a:t>ocated in</a:t>
             </a:r>
           </a:p>
         </p:txBody>
@@ -4684,8 +4704,12 @@
           <a:lstStyle/>
           <a:p>
             <a:r>
+              <a:rPr lang="da-DK" dirty="0"/>
+              <a:t>L</a:t>
+            </a:r>
+            <a:r>
               <a:rPr lang="en-DK" dirty="0"/>
-              <a:t>locatedIn</a:t>
+              <a:t>ocated in</a:t>
             </a:r>
           </a:p>
         </p:txBody>
